--- a/CSE281/Intro to OOP.pptx
+++ b/CSE281/Intro to OOP.pptx
@@ -173,6 +173,9 @@
         </p15:guide>
       </p15:sldGuideLst>
     </p:ext>
+    <p:ext uri="{2D200454-40CA-4A62-9FC3-DE9A4176ACB9}">
+      <p15:notesGuideLst xmlns:p15="http://schemas.microsoft.com/office/powerpoint/2012/main"/>
+    </p:ext>
   </p:extLst>
 </p:presentation>
 </file>
@@ -271,7 +274,7 @@
           <a:p>
             <a:fld id="{BDD1B3BB-71EF-494A-A079-319859A0495E}" type="datetimeFigureOut">
               <a:rPr lang="en-US" smtClean="0"/>
-              <a:t>10/26/2025</a:t>
+              <a:t>2/15/2026</a:t>
             </a:fld>
             <a:endParaRPr lang="en-US"/>
           </a:p>
@@ -492,7 +495,7 @@
               <a:pPr>
                 <a:defRPr/>
               </a:pPr>
-              <a:t>10/26/2025</a:t>
+              <a:t>2/15/2026</a:t>
             </a:fld>
             <a:endParaRPr lang="en-US"/>
           </a:p>
@@ -1274,7 +1277,7 @@
                   <a:spcPct val="0"/>
                 </a:spcAft>
               </a:pPr>
-              <a:t>10/26/2025</a:t>
+              <a:t>2/15/2026</a:t>
             </a:fld>
             <a:endParaRPr lang="en-US" altLang="en-US">
               <a:latin typeface="Calibri" panose="020F0502020204030204" pitchFamily="34" charset="0"/>
@@ -2178,7 +2181,7 @@
               <a:pPr>
                 <a:defRPr/>
               </a:pPr>
-              <a:t>10/26/2025</a:t>
+              <a:t>2/15/2026</a:t>
             </a:fld>
             <a:endParaRPr lang="en-US"/>
           </a:p>
@@ -2386,7 +2389,7 @@
               <a:pPr>
                 <a:defRPr/>
               </a:pPr>
-              <a:t>10/26/2025</a:t>
+              <a:t>2/15/2026</a:t>
             </a:fld>
             <a:endParaRPr lang="en-US"/>
           </a:p>
@@ -2671,7 +2674,7 @@
               <a:pPr>
                 <a:defRPr/>
               </a:pPr>
-              <a:t>10/26/2025</a:t>
+              <a:t>2/15/2026</a:t>
             </a:fld>
             <a:endParaRPr lang="en-US"/>
           </a:p>
@@ -2996,7 +2999,7 @@
               <a:pPr>
                 <a:defRPr/>
               </a:pPr>
-              <a:t>10/26/2025</a:t>
+              <a:t>2/15/2026</a:t>
             </a:fld>
             <a:endParaRPr lang="en-US"/>
           </a:p>
@@ -3455,7 +3458,7 @@
               <a:pPr>
                 <a:defRPr/>
               </a:pPr>
-              <a:t>10/26/2025</a:t>
+              <a:t>2/15/2026</a:t>
             </a:fld>
             <a:endParaRPr lang="en-US"/>
           </a:p>
@@ -3612,7 +3615,7 @@
               <a:pPr>
                 <a:defRPr/>
               </a:pPr>
-              <a:t>10/26/2025</a:t>
+              <a:t>2/15/2026</a:t>
             </a:fld>
             <a:endParaRPr lang="en-US"/>
           </a:p>
@@ -3747,7 +3750,7 @@
               <a:pPr>
                 <a:defRPr/>
               </a:pPr>
-              <a:t>10/26/2025</a:t>
+              <a:t>2/15/2026</a:t>
             </a:fld>
             <a:endParaRPr lang="en-US"/>
           </a:p>
@@ -4168,7 +4171,7 @@
               <a:pPr>
                 <a:defRPr/>
               </a:pPr>
-              <a:t>10/26/2025</a:t>
+              <a:t>2/15/2026</a:t>
             </a:fld>
             <a:endParaRPr lang="en-US"/>
           </a:p>
@@ -4466,7 +4469,7 @@
               <a:pPr>
                 <a:defRPr/>
               </a:pPr>
-              <a:t>10/26/2025</a:t>
+              <a:t>2/15/2026</a:t>
             </a:fld>
             <a:endParaRPr lang="en-US"/>
           </a:p>
@@ -4674,7 +4677,7 @@
               <a:pPr>
                 <a:defRPr/>
               </a:pPr>
-              <a:t>10/26/2025</a:t>
+              <a:t>2/15/2026</a:t>
             </a:fld>
             <a:endParaRPr lang="en-US"/>
           </a:p>
@@ -4892,7 +4895,7 @@
               <a:pPr>
                 <a:defRPr/>
               </a:pPr>
-              <a:t>10/26/2025</a:t>
+              <a:t>2/15/2026</a:t>
             </a:fld>
             <a:endParaRPr lang="en-US"/>
           </a:p>
@@ -7556,7 +7559,7 @@
               <a:pPr>
                 <a:defRPr/>
               </a:pPr>
-              <a:t>10/26/2025</a:t>
+              <a:t>2/15/2026</a:t>
             </a:fld>
             <a:endParaRPr lang="en-US"/>
           </a:p>
@@ -11187,8 +11190,8 @@
               <a:buChar char="Ø"/>
             </a:pPr>
             <a:r>
-              <a:rPr lang="en-US" altLang="en-US" sz="2400"/>
-              <a:t>All OOP languages, including C++, share three common features</a:t>
+              <a:rPr lang="en-US" altLang="en-US" sz="2400" dirty="0"/>
+              <a:t>All OOP languages, share four common features</a:t>
             </a:r>
           </a:p>
           <a:p>
@@ -11199,7 +11202,7 @@
               <a:buAutoNum type="arabicParenR"/>
             </a:pPr>
             <a:r>
-              <a:rPr lang="en-US" altLang="en-US" sz="2000"/>
+              <a:rPr lang="en-US" altLang="en-US" sz="2000" dirty="0"/>
               <a:t>Encapsulation</a:t>
             </a:r>
           </a:p>
@@ -11211,7 +11214,7 @@
               <a:buAutoNum type="arabicParenR"/>
             </a:pPr>
             <a:r>
-              <a:rPr lang="en-US" altLang="en-US" sz="2000"/>
+              <a:rPr lang="en-US" altLang="en-US" sz="2000" dirty="0"/>
               <a:t>Polymorphism</a:t>
             </a:r>
           </a:p>
@@ -11223,9 +11226,22 @@
               <a:buAutoNum type="arabicParenR"/>
             </a:pPr>
             <a:r>
-              <a:rPr lang="en-US" altLang="en-US" sz="2000"/>
+              <a:rPr lang="en-US" altLang="en-US" sz="2000" dirty="0"/>
               <a:t>Inheritance</a:t>
             </a:r>
+          </a:p>
+          <a:p>
+            <a:pPr marL="914400" lvl="1" indent="-457200" eaLnBrk="1" hangingPunct="1">
+              <a:buClrTx/>
+              <a:buSzPct val="100000"/>
+              <a:buFont typeface="Arial Narrow" panose="020B0606020202030204" pitchFamily="34" charset="0"/>
+              <a:buAutoNum type="arabicParenR"/>
+            </a:pPr>
+            <a:r>
+              <a:rPr lang="en-US" altLang="en-US" sz="2000" dirty="0"/>
+              <a:t>Abstraction</a:t>
+            </a:r>
+            <a:endParaRPr lang="en-US" altLang="en-US" sz="2400" dirty="0"/>
           </a:p>
           <a:p>
             <a:pPr eaLnBrk="1" hangingPunct="1">
@@ -11234,7 +11250,14 @@
               <a:buFont typeface="Wingdings" panose="05000000000000000000" pitchFamily="2" charset="2"/>
               <a:buChar char="Ø"/>
             </a:pPr>
-            <a:endParaRPr lang="en-US" altLang="en-US" sz="2400"/>
+            <a:r>
+              <a:rPr lang="en-US" altLang="en-US" sz="2400" b="1" dirty="0"/>
+              <a:t>Encapsulation</a:t>
+            </a:r>
+            <a:r>
+              <a:rPr lang="en-US" altLang="en-US" sz="2400" dirty="0"/>
+              <a:t>: It is the mechanism that binds together code and    the data it manipulates, and keeps both safe from outside               interference and misuse</a:t>
+            </a:r>
           </a:p>
           <a:p>
             <a:pPr eaLnBrk="1" hangingPunct="1">
@@ -11244,23 +11267,7 @@
               <a:buChar char="Ø"/>
             </a:pPr>
             <a:r>
-              <a:rPr lang="en-US" altLang="en-US" sz="2400" b="1"/>
-              <a:t>Encapsulation</a:t>
-            </a:r>
-            <a:r>
-              <a:rPr lang="en-US" altLang="en-US" sz="2400"/>
-              <a:t>: It is the mechanism that binds together code and    the data it manipulates, and keeps both safe from outside               interference and misuse</a:t>
-            </a:r>
-          </a:p>
-          <a:p>
-            <a:pPr eaLnBrk="1" hangingPunct="1">
-              <a:buClrTx/>
-              <a:buSzPct val="100000"/>
-              <a:buFont typeface="Wingdings" panose="05000000000000000000" pitchFamily="2" charset="2"/>
-              <a:buChar char="Ø"/>
-            </a:pPr>
-            <a:r>
-              <a:rPr lang="en-US" altLang="en-US" sz="2400"/>
+              <a:rPr lang="en-US" altLang="en-US" sz="2400" dirty="0"/>
               <a:t>It wraps data and functions into a single unit</a:t>
             </a:r>
           </a:p>
@@ -11511,8 +11518,23 @@
             </a:pPr>
             <a:r>
               <a:rPr lang="en-US" altLang="en-US" sz="2400" dirty="0"/>
-              <a:t>But in C++, we can do these for all three data types using </a:t>
-            </a:r>
+              <a:t>But in Java, we can do these for all three data types using </a:t>
+            </a:r>
+            <a:endParaRPr lang="en-US" altLang="en-US" sz="2400" dirty="0">
+              <a:solidFill>
+                <a:schemeClr val="accent5">
+                  <a:lumMod val="50000"/>
+                </a:schemeClr>
+              </a:solidFill>
+            </a:endParaRPr>
+          </a:p>
+          <a:p>
+            <a:pPr marL="0" indent="0" eaLnBrk="1" hangingPunct="1">
+              <a:buClrTx/>
+              <a:buSzPct val="100000"/>
+              <a:buNone/>
+              <a:defRPr/>
+            </a:pPr>
             <a:r>
               <a:rPr lang="en-US" altLang="en-US" sz="2400" dirty="0">
                 <a:solidFill>
@@ -11521,7 +11543,27 @@
                   </a:schemeClr>
                 </a:solidFill>
               </a:rPr>
-              <a:t>abs()</a:t>
+              <a:t>     </a:t>
+            </a:r>
+            <a:r>
+              <a:rPr lang="en-US" altLang="en-US" sz="2400" dirty="0" err="1">
+                <a:solidFill>
+                  <a:schemeClr val="accent5">
+                    <a:lumMod val="50000"/>
+                  </a:schemeClr>
+                </a:solidFill>
+              </a:rPr>
+              <a:t>Math.abs</a:t>
+            </a:r>
+            <a:r>
+              <a:rPr lang="en-US" altLang="en-US" sz="2400" dirty="0">
+                <a:solidFill>
+                  <a:schemeClr val="accent5">
+                    <a:lumMod val="50000"/>
+                  </a:schemeClr>
+                </a:solidFill>
+              </a:rPr>
+              <a:t>()</a:t>
             </a:r>
             <a:r>
               <a:rPr lang="en-US" altLang="en-US" sz="2400" dirty="0"/>
